--- a/게임기획실무/스토리텔링.pptx
+++ b/게임기획실무/스토리텔링.pptx
@@ -271,7 +271,7 @@
           <a:p>
             <a:fld id="{05398ED7-D309-45C1-91AE-3A6DCC23D5D6}" type="datetimeFigureOut">
               <a:rPr lang="ko-KR" altLang="en-US" smtClean="0"/>
-              <a:t>2022-04-29</a:t>
+              <a:t>2022-05-12</a:t>
             </a:fld>
             <a:endParaRPr lang="ko-KR" altLang="en-US" dirty="0"/>
           </a:p>
@@ -469,7 +469,7 @@
           <a:p>
             <a:fld id="{05398ED7-D309-45C1-91AE-3A6DCC23D5D6}" type="datetimeFigureOut">
               <a:rPr lang="ko-KR" altLang="en-US" smtClean="0"/>
-              <a:t>2022-04-29</a:t>
+              <a:t>2022-05-12</a:t>
             </a:fld>
             <a:endParaRPr lang="ko-KR" altLang="en-US" dirty="0"/>
           </a:p>
@@ -677,7 +677,7 @@
           <a:p>
             <a:fld id="{05398ED7-D309-45C1-91AE-3A6DCC23D5D6}" type="datetimeFigureOut">
               <a:rPr lang="ko-KR" altLang="en-US" smtClean="0"/>
-              <a:t>2022-04-29</a:t>
+              <a:t>2022-05-12</a:t>
             </a:fld>
             <a:endParaRPr lang="ko-KR" altLang="en-US" dirty="0"/>
           </a:p>
@@ -875,7 +875,7 @@
           <a:p>
             <a:fld id="{05398ED7-D309-45C1-91AE-3A6DCC23D5D6}" type="datetimeFigureOut">
               <a:rPr lang="ko-KR" altLang="en-US" smtClean="0"/>
-              <a:t>2022-04-29</a:t>
+              <a:t>2022-05-12</a:t>
             </a:fld>
             <a:endParaRPr lang="ko-KR" altLang="en-US" dirty="0"/>
           </a:p>
@@ -1150,7 +1150,7 @@
           <a:p>
             <a:fld id="{05398ED7-D309-45C1-91AE-3A6DCC23D5D6}" type="datetimeFigureOut">
               <a:rPr lang="ko-KR" altLang="en-US" smtClean="0"/>
-              <a:t>2022-04-29</a:t>
+              <a:t>2022-05-12</a:t>
             </a:fld>
             <a:endParaRPr lang="ko-KR" altLang="en-US" dirty="0"/>
           </a:p>
@@ -1415,7 +1415,7 @@
           <a:p>
             <a:fld id="{05398ED7-D309-45C1-91AE-3A6DCC23D5D6}" type="datetimeFigureOut">
               <a:rPr lang="ko-KR" altLang="en-US" smtClean="0"/>
-              <a:t>2022-04-29</a:t>
+              <a:t>2022-05-12</a:t>
             </a:fld>
             <a:endParaRPr lang="ko-KR" altLang="en-US" dirty="0"/>
           </a:p>
@@ -1827,7 +1827,7 @@
           <a:p>
             <a:fld id="{05398ED7-D309-45C1-91AE-3A6DCC23D5D6}" type="datetimeFigureOut">
               <a:rPr lang="ko-KR" altLang="en-US" smtClean="0"/>
-              <a:t>2022-04-29</a:t>
+              <a:t>2022-05-12</a:t>
             </a:fld>
             <a:endParaRPr lang="ko-KR" altLang="en-US" dirty="0"/>
           </a:p>
@@ -1968,7 +1968,7 @@
           <a:p>
             <a:fld id="{05398ED7-D309-45C1-91AE-3A6DCC23D5D6}" type="datetimeFigureOut">
               <a:rPr lang="ko-KR" altLang="en-US" smtClean="0"/>
-              <a:t>2022-04-29</a:t>
+              <a:t>2022-05-12</a:t>
             </a:fld>
             <a:endParaRPr lang="ko-KR" altLang="en-US" dirty="0"/>
           </a:p>
@@ -2081,7 +2081,7 @@
           <a:p>
             <a:fld id="{05398ED7-D309-45C1-91AE-3A6DCC23D5D6}" type="datetimeFigureOut">
               <a:rPr lang="ko-KR" altLang="en-US" smtClean="0"/>
-              <a:t>2022-04-29</a:t>
+              <a:t>2022-05-12</a:t>
             </a:fld>
             <a:endParaRPr lang="ko-KR" altLang="en-US" dirty="0"/>
           </a:p>
@@ -2392,7 +2392,7 @@
           <a:p>
             <a:fld id="{05398ED7-D309-45C1-91AE-3A6DCC23D5D6}" type="datetimeFigureOut">
               <a:rPr lang="ko-KR" altLang="en-US" smtClean="0"/>
-              <a:t>2022-04-29</a:t>
+              <a:t>2022-05-12</a:t>
             </a:fld>
             <a:endParaRPr lang="ko-KR" altLang="en-US" dirty="0"/>
           </a:p>
@@ -2680,7 +2680,7 @@
           <a:p>
             <a:fld id="{05398ED7-D309-45C1-91AE-3A6DCC23D5D6}" type="datetimeFigureOut">
               <a:rPr lang="ko-KR" altLang="en-US" smtClean="0"/>
-              <a:t>2022-04-29</a:t>
+              <a:t>2022-05-12</a:t>
             </a:fld>
             <a:endParaRPr lang="ko-KR" altLang="en-US" dirty="0"/>
           </a:p>
@@ -2921,7 +2921,7 @@
           <a:p>
             <a:fld id="{05398ED7-D309-45C1-91AE-3A6DCC23D5D6}" type="datetimeFigureOut">
               <a:rPr lang="ko-KR" altLang="en-US" smtClean="0"/>
-              <a:t>2022-04-29</a:t>
+              <a:t>2022-05-12</a:t>
             </a:fld>
             <a:endParaRPr lang="ko-KR" altLang="en-US" dirty="0"/>
           </a:p>
@@ -7533,6 +7533,14 @@
             <a:endParaRPr lang="en-US" altLang="ko-KR" dirty="0"/>
           </a:p>
           <a:p>
+            <a:pPr lvl="1"/>
+            <a:r>
+              <a:rPr lang="ko-KR" altLang="en-US" dirty="0"/>
+              <a:t>체력은 소모된다</a:t>
+            </a:r>
+            <a:endParaRPr lang="en-US" altLang="ko-KR" dirty="0"/>
+          </a:p>
+          <a:p>
             <a:r>
               <a:rPr lang="ko-KR" altLang="en-US" dirty="0"/>
               <a:t>레벨업을 하면서 특정 레벨마다 사용가능한 스킬이 늘어난다</a:t>
